--- a/orchid_plakat.pptx
+++ b/orchid_plakat.pptx
@@ -3019,8 +3019,8 @@
         </p:nvSpPr>
         <p:spPr>
           <a:xfrm>
-            <a:off x="287290" y="1984112"/>
-            <a:ext cx="5113828" cy="2575568"/>
+            <a:off x="117295" y="1984112"/>
+            <a:ext cx="5547723" cy="2575568"/>
           </a:xfrm>
           <a:prstGeom prst="roundRect">
             <a:avLst/>
@@ -3036,6 +3036,13 @@
               <a:schemeClr val="tx1"/>
             </a:solidFill>
           </a:ln>
+          <a:effectLst>
+            <a:outerShdw blurRad="76200" dir="13500000" sy="23000" kx="1200000" algn="br" rotWithShape="0">
+              <a:prstClr val="black">
+                <a:alpha val="20000"/>
+              </a:prstClr>
+            </a:outerShdw>
+          </a:effectLst>
         </p:spPr>
         <p:style>
           <a:lnRef idx="2">
@@ -3129,6 +3136,13 @@
               <a:schemeClr val="tx1"/>
             </a:solidFill>
           </a:ln>
+          <a:effectLst>
+            <a:outerShdw blurRad="76200" dir="13500000" sy="23000" kx="1200000" algn="br" rotWithShape="0">
+              <a:prstClr val="black">
+                <a:alpha val="20000"/>
+              </a:prstClr>
+            </a:outerShdw>
+          </a:effectLst>
         </p:spPr>
         <p:style>
           <a:lnRef idx="2">
@@ -3266,8 +3280,8 @@
         </p:nvSpPr>
         <p:spPr>
           <a:xfrm>
-            <a:off x="117295" y="9068570"/>
-            <a:ext cx="3298610" cy="980171"/>
+            <a:off x="117295" y="9040954"/>
+            <a:ext cx="3096718" cy="1007788"/>
           </a:xfrm>
           <a:prstGeom prst="roundRect">
             <a:avLst/>
@@ -3283,6 +3297,13 @@
               <a:schemeClr val="tx1"/>
             </a:solidFill>
           </a:ln>
+          <a:effectLst>
+            <a:outerShdw blurRad="76200" dir="13500000" sy="23000" kx="1200000" algn="br" rotWithShape="0">
+              <a:prstClr val="black">
+                <a:alpha val="20000"/>
+              </a:prstClr>
+            </a:outerShdw>
+          </a:effectLst>
         </p:spPr>
         <p:style>
           <a:lnRef idx="2">
@@ -3348,6 +3369,13 @@
               <a:schemeClr val="tx1"/>
             </a:solidFill>
           </a:ln>
+          <a:effectLst>
+            <a:outerShdw blurRad="76200" dir="13500000" sy="23000" kx="1200000" algn="br" rotWithShape="0">
+              <a:prstClr val="black">
+                <a:alpha val="20000"/>
+              </a:prstClr>
+            </a:outerShdw>
+          </a:effectLst>
         </p:spPr>
         <p:style>
           <a:lnRef idx="2">
@@ -3403,6 +3431,13 @@
               <a:schemeClr val="tx1"/>
             </a:solidFill>
           </a:ln>
+          <a:effectLst>
+            <a:outerShdw blurRad="76200" dir="13500000" sy="23000" kx="1200000" algn="br" rotWithShape="0">
+              <a:prstClr val="black">
+                <a:alpha val="20000"/>
+              </a:prstClr>
+            </a:outerShdw>
+          </a:effectLst>
         </p:spPr>
         <p:style>
           <a:lnRef idx="2">
@@ -3458,6 +3493,13 @@
               <a:schemeClr val="tx1"/>
             </a:solidFill>
           </a:ln>
+          <a:effectLst>
+            <a:outerShdw blurRad="76200" dir="13500000" sy="23000" kx="1200000" algn="br" rotWithShape="0">
+              <a:prstClr val="black">
+                <a:alpha val="20000"/>
+              </a:prstClr>
+            </a:outerShdw>
+          </a:effectLst>
         </p:spPr>
         <p:style>
           <a:lnRef idx="2">
@@ -3517,6 +3559,13 @@
               <a:schemeClr val="tx1"/>
             </a:solidFill>
           </a:ln>
+          <a:effectLst>
+            <a:outerShdw blurRad="76200" dir="13500000" sy="23000" kx="1200000" algn="br" rotWithShape="0">
+              <a:prstClr val="black">
+                <a:alpha val="20000"/>
+              </a:prstClr>
+            </a:outerShdw>
+          </a:effectLst>
         </p:spPr>
         <p:style>
           <a:lnRef idx="2">
@@ -3576,6 +3625,13 @@
               <a:schemeClr val="tx1"/>
             </a:solidFill>
           </a:ln>
+          <a:effectLst>
+            <a:outerShdw blurRad="76200" dir="13500000" sy="23000" kx="1200000" algn="br" rotWithShape="0">
+              <a:prstClr val="black">
+                <a:alpha val="20000"/>
+              </a:prstClr>
+            </a:outerShdw>
+          </a:effectLst>
         </p:spPr>
         <p:style>
           <a:lnRef idx="2">
@@ -3664,6 +3720,13 @@
               <a:schemeClr val="tx1"/>
             </a:solidFill>
           </a:ln>
+          <a:effectLst>
+            <a:outerShdw blurRad="76200" dir="13500000" sy="23000" kx="1200000" algn="br" rotWithShape="0">
+              <a:prstClr val="black">
+                <a:alpha val="20000"/>
+              </a:prstClr>
+            </a:outerShdw>
+          </a:effectLst>
         </p:spPr>
         <p:style>
           <a:lnRef idx="2">
@@ -3759,6 +3822,13 @@
               <a:schemeClr val="tx1"/>
             </a:solidFill>
           </a:ln>
+          <a:effectLst>
+            <a:outerShdw blurRad="76200" dir="13500000" sy="23000" kx="1200000" algn="br" rotWithShape="0">
+              <a:prstClr val="black">
+                <a:alpha val="20000"/>
+              </a:prstClr>
+            </a:outerShdw>
+          </a:effectLst>
         </p:spPr>
         <p:style>
           <a:lnRef idx="2">
@@ -3876,6 +3946,13 @@
               <a:schemeClr val="tx1"/>
             </a:solidFill>
           </a:ln>
+          <a:effectLst>
+            <a:outerShdw blurRad="76200" dir="13500000" sy="23000" kx="1200000" algn="br" rotWithShape="0">
+              <a:prstClr val="black">
+                <a:alpha val="20000"/>
+              </a:prstClr>
+            </a:outerShdw>
+          </a:effectLst>
         </p:spPr>
         <p:style>
           <a:lnRef idx="2">
@@ -3995,6 +4072,13 @@
               <a:schemeClr val="tx1"/>
             </a:solidFill>
           </a:ln>
+          <a:effectLst>
+            <a:outerShdw blurRad="76200" dir="13500000" sy="23000" kx="1200000" algn="br" rotWithShape="0">
+              <a:prstClr val="black">
+                <a:alpha val="20000"/>
+              </a:prstClr>
+            </a:outerShdw>
+          </a:effectLst>
         </p:spPr>
         <p:style>
           <a:lnRef idx="2">
@@ -4147,6 +4231,13 @@
           <a:prstGeom prst="rect">
             <a:avLst/>
           </a:prstGeom>
+          <a:effectLst>
+            <a:outerShdw blurRad="76200" dir="13500000" sy="23000" kx="1200000" algn="br" rotWithShape="0">
+              <a:prstClr val="black">
+                <a:alpha val="20000"/>
+              </a:prstClr>
+            </a:outerShdw>
+          </a:effectLst>
         </p:spPr>
       </p:pic>
       <p:sp>
@@ -4174,6 +4265,13 @@
               <a:schemeClr val="tx1"/>
             </a:solidFill>
           </a:ln>
+          <a:effectLst>
+            <a:outerShdw blurRad="76200" dir="13500000" sy="23000" kx="1200000" algn="br" rotWithShape="0">
+              <a:prstClr val="black">
+                <a:alpha val="20000"/>
+              </a:prstClr>
+            </a:outerShdw>
+          </a:effectLst>
         </p:spPr>
         <p:style>
           <a:lnRef idx="2">
@@ -4534,30 +4632,6 @@
           </a:prstGeom>
         </p:spPr>
       </p:pic>
-      <p:pic>
-        <p:nvPicPr>
-          <p:cNvPr id="61" name="Рисунок 60"/>
-          <p:cNvPicPr>
-            <a:picLocks noChangeAspect="1"/>
-          </p:cNvPicPr>
-          <p:nvPr/>
-        </p:nvPicPr>
-        <p:blipFill>
-          <a:blip r:embed="rId16"/>
-          <a:stretch>
-            <a:fillRect/>
-          </a:stretch>
-        </p:blipFill>
-        <p:spPr>
-          <a:xfrm>
-            <a:off x="8862047" y="10179542"/>
-            <a:ext cx="3038120" cy="1570974"/>
-          </a:xfrm>
-          <a:prstGeom prst="rect">
-            <a:avLst/>
-          </a:prstGeom>
-        </p:spPr>
-      </p:pic>
       <p:sp>
         <p:nvSpPr>
           <p:cNvPr id="62" name="Скругленный прямоугольник 61"/>
@@ -4583,6 +4657,13 @@
               <a:schemeClr val="tx1"/>
             </a:solidFill>
           </a:ln>
+          <a:effectLst>
+            <a:outerShdw blurRad="76200" dir="13500000" sy="23000" kx="1200000" algn="br" rotWithShape="0">
+              <a:prstClr val="black">
+                <a:alpha val="20000"/>
+              </a:prstClr>
+            </a:outerShdw>
+          </a:effectLst>
         </p:spPr>
         <p:style>
           <a:lnRef idx="2">
@@ -4642,6 +4723,13 @@
               <a:schemeClr val="tx1"/>
             </a:solidFill>
           </a:ln>
+          <a:effectLst>
+            <a:outerShdw blurRad="76200" dir="13500000" sy="23000" kx="1200000" algn="br" rotWithShape="0">
+              <a:prstClr val="black">
+                <a:alpha val="20000"/>
+              </a:prstClr>
+            </a:outerShdw>
+          </a:effectLst>
         </p:spPr>
         <p:style>
           <a:lnRef idx="2">
@@ -4696,6 +4784,13 @@
               <a:schemeClr val="tx1"/>
             </a:solidFill>
           </a:ln>
+          <a:effectLst>
+            <a:outerShdw blurRad="76200" dir="13500000" sy="23000" kx="1200000" algn="br" rotWithShape="0">
+              <a:prstClr val="black">
+                <a:alpha val="20000"/>
+              </a:prstClr>
+            </a:outerShdw>
+          </a:effectLst>
         </p:spPr>
         <p:style>
           <a:lnRef idx="2">
@@ -4750,6 +4845,13 @@
               <a:schemeClr val="tx1"/>
             </a:solidFill>
           </a:ln>
+          <a:effectLst>
+            <a:outerShdw blurRad="76200" dir="13500000" sy="23000" kx="1200000" algn="br" rotWithShape="0">
+              <a:prstClr val="black">
+                <a:alpha val="20000"/>
+              </a:prstClr>
+            </a:outerShdw>
+          </a:effectLst>
         </p:spPr>
         <p:style>
           <a:lnRef idx="2">
@@ -4804,6 +4906,13 @@
               <a:schemeClr val="tx1"/>
             </a:solidFill>
           </a:ln>
+          <a:effectLst>
+            <a:outerShdw blurRad="76200" dir="13500000" sy="23000" kx="1200000" algn="br" rotWithShape="0">
+              <a:prstClr val="black">
+                <a:alpha val="20000"/>
+              </a:prstClr>
+            </a:outerShdw>
+          </a:effectLst>
         </p:spPr>
         <p:style>
           <a:lnRef idx="2">
@@ -4858,6 +4967,13 @@
               <a:schemeClr val="tx1"/>
             </a:solidFill>
           </a:ln>
+          <a:effectLst>
+            <a:outerShdw blurRad="76200" dir="13500000" sy="23000" kx="1200000" algn="br" rotWithShape="0">
+              <a:prstClr val="black">
+                <a:alpha val="20000"/>
+              </a:prstClr>
+            </a:outerShdw>
+          </a:effectLst>
         </p:spPr>
         <p:style>
           <a:lnRef idx="2">
@@ -4970,6 +5086,13 @@
               <a:schemeClr val="tx1"/>
             </a:solidFill>
           </a:ln>
+          <a:effectLst>
+            <a:outerShdw blurRad="76200" dir="13500000" sy="23000" kx="1200000" algn="br" rotWithShape="0">
+              <a:prstClr val="black">
+                <a:alpha val="20000"/>
+              </a:prstClr>
+            </a:outerShdw>
+          </a:effectLst>
         </p:spPr>
         <p:style>
           <a:lnRef idx="2">
@@ -5024,6 +5147,13 @@
               <a:schemeClr val="tx1"/>
             </a:solidFill>
           </a:ln>
+          <a:effectLst>
+            <a:outerShdw blurRad="76200" dir="13500000" sy="23000" kx="1200000" algn="br" rotWithShape="0">
+              <a:prstClr val="black">
+                <a:alpha val="20000"/>
+              </a:prstClr>
+            </a:outerShdw>
+          </a:effectLst>
         </p:spPr>
         <p:style>
           <a:lnRef idx="2">
@@ -5108,6 +5238,13 @@
           <a:ln w="38100">
             <a:tailEnd type="triangle"/>
           </a:ln>
+          <a:effectLst>
+            <a:outerShdw blurRad="76200" dir="13500000" sy="23000" kx="1200000" algn="br" rotWithShape="0">
+              <a:prstClr val="black">
+                <a:alpha val="20000"/>
+              </a:prstClr>
+            </a:outerShdw>
+          </a:effectLst>
         </p:spPr>
         <p:style>
           <a:lnRef idx="1">
@@ -5143,6 +5280,13 @@
           <a:ln w="38100">
             <a:tailEnd type="triangle"/>
           </a:ln>
+          <a:effectLst>
+            <a:outerShdw blurRad="76200" dir="13500000" sy="23000" kx="1200000" algn="br" rotWithShape="0">
+              <a:prstClr val="black">
+                <a:alpha val="20000"/>
+              </a:prstClr>
+            </a:outerShdw>
+          </a:effectLst>
         </p:spPr>
         <p:style>
           <a:lnRef idx="1">
@@ -5176,6 +5320,13 @@
           <a:ln w="38100">
             <a:tailEnd type="triangle"/>
           </a:ln>
+          <a:effectLst>
+            <a:outerShdw blurRad="76200" dir="13500000" sy="23000" kx="1200000" algn="br" rotWithShape="0">
+              <a:prstClr val="black">
+                <a:alpha val="20000"/>
+              </a:prstClr>
+            </a:outerShdw>
+          </a:effectLst>
         </p:spPr>
         <p:style>
           <a:lnRef idx="1">
@@ -5242,6 +5393,13 @@
           <a:ln w="38100">
             <a:tailEnd type="triangle"/>
           </a:ln>
+          <a:effectLst>
+            <a:outerShdw blurRad="76200" dir="13500000" sy="23000" kx="1200000" algn="br" rotWithShape="0">
+              <a:prstClr val="black">
+                <a:alpha val="20000"/>
+              </a:prstClr>
+            </a:outerShdw>
+          </a:effectLst>
         </p:spPr>
         <p:style>
           <a:lnRef idx="1">
@@ -5390,6 +5548,37 @@
           </a:fontRef>
         </p:style>
       </p:cxnSp>
+      <p:pic>
+        <p:nvPicPr>
+          <p:cNvPr id="6" name="Рисунок 5"/>
+          <p:cNvPicPr>
+            <a:picLocks noChangeAspect="1"/>
+          </p:cNvPicPr>
+          <p:nvPr/>
+        </p:nvPicPr>
+        <p:blipFill>
+          <a:blip r:embed="rId16"/>
+          <a:stretch>
+            <a:fillRect/>
+          </a:stretch>
+        </p:blipFill>
+        <p:spPr>
+          <a:xfrm>
+            <a:off x="8642782" y="10214112"/>
+            <a:ext cx="3400900" cy="1562318"/>
+          </a:xfrm>
+          <a:prstGeom prst="rect">
+            <a:avLst/>
+          </a:prstGeom>
+          <a:effectLst>
+            <a:outerShdw blurRad="76200" dir="13500000" sy="23000" kx="1200000" algn="br" rotWithShape="0">
+              <a:prstClr val="black">
+                <a:alpha val="20000"/>
+              </a:prstClr>
+            </a:outerShdw>
+          </a:effectLst>
+        </p:spPr>
+      </p:pic>
     </p:spTree>
     <p:extLst>
       <p:ext uri="{BB962C8B-B14F-4D97-AF65-F5344CB8AC3E}">
